--- a/han/han presentation.pptx
+++ b/han/han presentation.pptx
@@ -361,7 +361,7 @@
             <a:fld id="{B61BEF0D-F0BB-DE4B-95CE-6DB70DBA9567}" type="datetimeFigureOut">
               <a:rPr lang="en-US" dirty="0"/>
               <a:pPr/>
-              <a:t>7/28/19</a:t>
+              <a:t>7/29/19</a:t>
             </a:fld>
             <a:endParaRPr lang="en-US" dirty="0"/>
           </a:p>
@@ -620,7 +620,7 @@
             <a:fld id="{B61BEF0D-F0BB-DE4B-95CE-6DB70DBA9567}" type="datetimeFigureOut">
               <a:rPr lang="en-US" dirty="0"/>
               <a:pPr/>
-              <a:t>7/28/19</a:t>
+              <a:t>7/29/19</a:t>
             </a:fld>
             <a:endParaRPr lang="en-US" dirty="0"/>
           </a:p>
@@ -852,7 +852,7 @@
             <a:fld id="{B61BEF0D-F0BB-DE4B-95CE-6DB70DBA9567}" type="datetimeFigureOut">
               <a:rPr lang="en-US" dirty="0"/>
               <a:pPr/>
-              <a:t>7/28/19</a:t>
+              <a:t>7/29/19</a:t>
             </a:fld>
             <a:endParaRPr lang="en-US" dirty="0"/>
           </a:p>
@@ -1089,7 +1089,7 @@
             <a:fld id="{B61BEF0D-F0BB-DE4B-95CE-6DB70DBA9567}" type="datetimeFigureOut">
               <a:rPr lang="en-US" dirty="0"/>
               <a:pPr/>
-              <a:t>7/28/19</a:t>
+              <a:t>7/29/19</a:t>
             </a:fld>
             <a:endParaRPr lang="en-US" dirty="0"/>
           </a:p>
@@ -1393,7 +1393,7 @@
             <a:fld id="{B61BEF0D-F0BB-DE4B-95CE-6DB70DBA9567}" type="datetimeFigureOut">
               <a:rPr lang="en-US" dirty="0"/>
               <a:pPr/>
-              <a:t>7/28/19</a:t>
+              <a:t>7/29/19</a:t>
             </a:fld>
             <a:endParaRPr lang="en-US" dirty="0"/>
           </a:p>
@@ -1692,7 +1692,7 @@
             <a:fld id="{B61BEF0D-F0BB-DE4B-95CE-6DB70DBA9567}" type="datetimeFigureOut">
               <a:rPr lang="en-US" dirty="0"/>
               <a:pPr/>
-              <a:t>7/28/19</a:t>
+              <a:t>7/29/19</a:t>
             </a:fld>
             <a:endParaRPr lang="en-US" dirty="0"/>
           </a:p>
@@ -2111,7 +2111,7 @@
             <a:fld id="{B61BEF0D-F0BB-DE4B-95CE-6DB70DBA9567}" type="datetimeFigureOut">
               <a:rPr lang="en-US" dirty="0"/>
               <a:pPr/>
-              <a:t>7/28/19</a:t>
+              <a:t>7/29/19</a:t>
             </a:fld>
             <a:endParaRPr lang="en-US" dirty="0"/>
           </a:p>
@@ -2270,7 +2270,7 @@
             <a:fld id="{B61BEF0D-F0BB-DE4B-95CE-6DB70DBA9567}" type="datetimeFigureOut">
               <a:rPr lang="en-US" dirty="0"/>
               <a:pPr/>
-              <a:t>7/28/19</a:t>
+              <a:t>7/29/19</a:t>
             </a:fld>
             <a:endParaRPr lang="en-US" dirty="0"/>
           </a:p>
@@ -2362,7 +2362,7 @@
             <a:fld id="{B61BEF0D-F0BB-DE4B-95CE-6DB70DBA9567}" type="datetimeFigureOut">
               <a:rPr lang="en-US" dirty="0"/>
               <a:pPr/>
-              <a:t>7/28/19</a:t>
+              <a:t>7/29/19</a:t>
             </a:fld>
             <a:endParaRPr lang="en-US" dirty="0"/>
           </a:p>
@@ -2737,7 +2737,7 @@
             <a:fld id="{B61BEF0D-F0BB-DE4B-95CE-6DB70DBA9567}" type="datetimeFigureOut">
               <a:rPr lang="en-US" dirty="0"/>
               <a:pPr/>
-              <a:t>7/28/19</a:t>
+              <a:t>7/29/19</a:t>
             </a:fld>
             <a:endParaRPr lang="en-US" dirty="0"/>
           </a:p>
@@ -3023,7 +3023,7 @@
             <a:fld id="{B61BEF0D-F0BB-DE4B-95CE-6DB70DBA9567}" type="datetimeFigureOut">
               <a:rPr lang="en-US" dirty="0"/>
               <a:pPr/>
-              <a:t>7/28/19</a:t>
+              <a:t>7/29/19</a:t>
             </a:fld>
             <a:endParaRPr lang="en-US" dirty="0"/>
           </a:p>
@@ -3231,7 +3231,7 @@
             <a:fld id="{B61BEF0D-F0BB-DE4B-95CE-6DB70DBA9567}" type="datetimeFigureOut">
               <a:rPr lang="en-US" dirty="0"/>
               <a:pPr/>
-              <a:t>7/28/19</a:t>
+              <a:t>7/29/19</a:t>
             </a:fld>
             <a:endParaRPr lang="en-US" dirty="0"/>
           </a:p>
